--- a/work/__NEWEST__/KaG/220814_ASN_GRANARCHISM.pptx
+++ b/work/__NEWEST__/KaG/220814_ASN_GRANARCHISM.pptx
@@ -6,11 +6,15 @@
   </p:sldMasterIdLst>
   <p:sldIdLst>
     <p:sldId id="256" r:id="rId2"/>
-    <p:sldId id="257" r:id="rId3"/>
-    <p:sldId id="258" r:id="rId4"/>
-    <p:sldId id="259" r:id="rId5"/>
-    <p:sldId id="260" r:id="rId6"/>
-    <p:sldId id="261" r:id="rId7"/>
+    <p:sldId id="261" r:id="rId3"/>
+    <p:sldId id="262" r:id="rId4"/>
+    <p:sldId id="263" r:id="rId5"/>
+    <p:sldId id="264" r:id="rId6"/>
+    <p:sldId id="265" r:id="rId7"/>
+    <p:sldId id="266" r:id="rId8"/>
+    <p:sldId id="267" r:id="rId9"/>
+    <p:sldId id="268" r:id="rId10"/>
+    <p:sldId id="269" r:id="rId11"/>
   </p:sldIdLst>
   <p:sldSz cx="9144000" cy="6858000" type="screen4x3"/>
   <p:notesSz cx="6858000" cy="9144000"/>
@@ -109,6 +113,22 @@
       </a:defRPr>
     </a:lvl9pPr>
   </p:defaultTextStyle>
+  <p:extLst>
+    <p:ext uri="{EFAFB233-063F-42B5-8137-9DF3F51BA10A}">
+      <p15:sldGuideLst xmlns:p15="http://schemas.microsoft.com/office/powerpoint/2012/main">
+        <p15:guide id="1" orient="horz" pos="2160">
+          <p15:clr>
+            <a:srgbClr val="A4A3A4"/>
+          </p15:clr>
+        </p15:guide>
+        <p15:guide id="2" pos="2880">
+          <p15:clr>
+            <a:srgbClr val="A4A3A4"/>
+          </p15:clr>
+        </p15:guide>
+      </p15:sldGuideLst>
+    </p:ext>
+  </p:extLst>
 </p:presentation>
 </file>
 
@@ -3090,6 +3110,86 @@
 </p:sld>
 </file>
 
+<file path=ppt/slides/slide10.xml><?xml version="1.0" encoding="utf-8"?>
+<p:sld xmlns:a="http://schemas.openxmlformats.org/drawingml/2006/main" xmlns:r="http://schemas.openxmlformats.org/officeDocument/2006/relationships" xmlns:p="http://schemas.openxmlformats.org/presentationml/2006/main">
+  <p:cSld>
+    <p:spTree>
+      <p:nvGrpSpPr>
+        <p:cNvPr id="1" name=""/>
+        <p:cNvGrpSpPr/>
+        <p:nvPr/>
+      </p:nvGrpSpPr>
+      <p:grpSpPr>
+        <a:xfrm>
+          <a:off x="0" y="0"/>
+          <a:ext cx="0" cy="0"/>
+          <a:chOff x="0" y="0"/>
+          <a:chExt cx="0" cy="0"/>
+        </a:xfrm>
+      </p:grpSpPr>
+      <p:sp>
+        <p:nvSpPr>
+          <p:cNvPr id="2" name="Title 1"/>
+          <p:cNvSpPr>
+            <a:spLocks noGrp="1"/>
+          </p:cNvSpPr>
+          <p:nvPr>
+            <p:ph type="title"/>
+          </p:nvPr>
+        </p:nvSpPr>
+        <p:spPr/>
+        <p:txBody>
+          <a:bodyPr/>
+          <a:lstStyle/>
+          <a:p>
+            <a:r>
+              <a:rPr lang="en-US" dirty="0" smtClean="0"/>
+              <a:t>Seven Generations</a:t>
+            </a:r>
+            <a:endParaRPr lang="en-US" dirty="0"/>
+          </a:p>
+        </p:txBody>
+      </p:sp>
+      <p:sp>
+        <p:nvSpPr>
+          <p:cNvPr id="3" name="Content Placeholder 2"/>
+          <p:cNvSpPr>
+            <a:spLocks noGrp="1"/>
+          </p:cNvSpPr>
+          <p:nvPr>
+            <p:ph idx="1"/>
+          </p:nvPr>
+        </p:nvSpPr>
+        <p:spPr/>
+        <p:txBody>
+          <a:bodyPr/>
+          <a:lstStyle/>
+          <a:p>
+            <a:r>
+              <a:rPr lang="en-US" dirty="0" smtClean="0"/>
+              <a:t>What does it mean to think </a:t>
+            </a:r>
+            <a:r>
+              <a:rPr lang="en-US" smtClean="0"/>
+              <a:t>as grandmothers/grandparents/kin</a:t>
+            </a:r>
+            <a:endParaRPr lang="en-US"/>
+          </a:p>
+        </p:txBody>
+      </p:sp>
+    </p:spTree>
+    <p:extLst>
+      <p:ext uri="{BB962C8B-B14F-4D97-AF65-F5344CB8AC3E}">
+        <p14:creationId xmlns:p14="http://schemas.microsoft.com/office/powerpoint/2010/main" val="2837936585"/>
+      </p:ext>
+    </p:extLst>
+  </p:cSld>
+  <p:clrMapOvr>
+    <a:masterClrMapping/>
+  </p:clrMapOvr>
+</p:sld>
+</file>
+
 <file path=ppt/slides/slide2.xml><?xml version="1.0" encoding="utf-8"?>
 <p:sld xmlns:a="http://schemas.openxmlformats.org/drawingml/2006/main" xmlns:r="http://schemas.openxmlformats.org/officeDocument/2006/relationships" xmlns:p="http://schemas.openxmlformats.org/presentationml/2006/main">
   <p:cSld>
@@ -3122,7 +3222,11 @@
           <a:bodyPr/>
           <a:lstStyle/>
           <a:p>
-            <a:endParaRPr lang="en-US"/>
+            <a:r>
+              <a:rPr lang="en-US" dirty="0" smtClean="0"/>
+              <a:t>The Evolution of Mutual Aid</a:t>
+            </a:r>
+            <a:endParaRPr lang="en-US" dirty="0"/>
           </a:p>
         </p:txBody>
       </p:sp>
@@ -3138,10 +3242,59 @@
         </p:nvSpPr>
         <p:spPr/>
         <p:txBody>
-          <a:bodyPr/>
-          <a:lstStyle/>
-          <a:p>
-            <a:endParaRPr lang="en-US"/>
+          <a:bodyPr>
+            <a:normAutofit fontScale="92500"/>
+          </a:bodyPr>
+          <a:lstStyle/>
+          <a:p>
+            <a:r>
+              <a:rPr lang="en-US" dirty="0" smtClean="0"/>
+              <a:t>Kropotkin: “mutual aid is … the feature </a:t>
+            </a:r>
+            <a:r>
+              <a:rPr lang="en-US" dirty="0" smtClean="0"/>
+              <a:t>of the greatest importance for the maintenance of life, the preservation of each species, and its further evolution" </a:t>
+            </a:r>
+            <a:endParaRPr lang="en-US" dirty="0" smtClean="0"/>
+          </a:p>
+          <a:p>
+            <a:r>
+              <a:rPr lang="en-US" dirty="0" smtClean="0"/>
+              <a:t>Sarah </a:t>
+            </a:r>
+            <a:r>
+              <a:rPr lang="en-US" dirty="0" err="1" smtClean="0"/>
+              <a:t>Blaffer</a:t>
+            </a:r>
+            <a:r>
+              <a:rPr lang="en-US" dirty="0" smtClean="0"/>
+              <a:t> </a:t>
+            </a:r>
+            <a:r>
+              <a:rPr lang="en-US" dirty="0" err="1" smtClean="0"/>
+              <a:t>Hrdy's</a:t>
+            </a:r>
+            <a:r>
+              <a:rPr lang="en-US" dirty="0" smtClean="0"/>
+              <a:t> </a:t>
+            </a:r>
+            <a:r>
+              <a:rPr lang="en-US" dirty="0" smtClean="0"/>
+              <a:t>"</a:t>
+            </a:r>
+            <a:r>
+              <a:rPr lang="en-US" dirty="0" smtClean="0"/>
+              <a:t>Mothers and Others: The Evolutionary Origins of Mutual Understanding." </a:t>
+            </a:r>
+            <a:endParaRPr lang="en-US" dirty="0" smtClean="0"/>
+          </a:p>
+          <a:p>
+            <a:pPr lvl="1"/>
+            <a:r>
+              <a:rPr lang="en-US" dirty="0" smtClean="0"/>
+              <a:t>Mutual Understanding:  Unique among great apes, humans have a “theory of other minds”, are able to imagine what other humans are thinking and feeling</a:t>
+            </a:r>
+            <a:endParaRPr lang="en-US" dirty="0"/>
           </a:p>
         </p:txBody>
       </p:sp>
@@ -3185,7 +3338,11 @@
           <a:bodyPr/>
           <a:lstStyle/>
           <a:p>
-            <a:endParaRPr lang="en-US"/>
+            <a:r>
+              <a:rPr lang="en-US" dirty="0" smtClean="0"/>
+              <a:t>“Evolution” as Becoming</a:t>
+            </a:r>
+            <a:endParaRPr lang="en-US" dirty="0"/>
           </a:p>
         </p:txBody>
       </p:sp>
@@ -3204,11 +3361,64 @@
           <a:bodyPr/>
           <a:lstStyle/>
           <a:p>
-            <a:endParaRPr lang="en-US"/>
+            <a:r>
+              <a:rPr lang="en-US" dirty="0" smtClean="0"/>
+              <a:t>A theory of “becoming”</a:t>
+            </a:r>
+          </a:p>
+          <a:p>
+            <a:r>
+              <a:rPr lang="en-US" dirty="0" smtClean="0"/>
+              <a:t>“Becoming” vs “Being”</a:t>
+            </a:r>
+          </a:p>
+          <a:p>
+            <a:r>
+              <a:rPr lang="en-US" dirty="0" smtClean="0"/>
+              <a:t>Being – permanent, persistent substance</a:t>
+            </a:r>
+          </a:p>
+          <a:p>
+            <a:pPr lvl="1"/>
+            <a:r>
+              <a:rPr lang="en-US" dirty="0" smtClean="0"/>
+              <a:t>Nouns (linguistic substantives)</a:t>
+            </a:r>
+          </a:p>
+          <a:p>
+            <a:pPr lvl="1"/>
+            <a:r>
+              <a:rPr lang="en-US" dirty="0" smtClean="0"/>
+              <a:t>Identities, persons, </a:t>
+            </a:r>
+          </a:p>
+          <a:p>
+            <a:pPr lvl="1"/>
+            <a:r>
+              <a:rPr lang="en-US" dirty="0" smtClean="0"/>
+              <a:t>Consciousness, subjectivity</a:t>
+            </a:r>
+          </a:p>
+          <a:p>
+            <a:r>
+              <a:rPr lang="en-US" dirty="0" smtClean="0"/>
+              <a:t>Becoming – change over space and time</a:t>
+            </a:r>
+          </a:p>
+          <a:p>
+            <a:r>
+              <a:rPr lang="en-US" dirty="0" smtClean="0"/>
+              <a:t>(What is “species”)</a:t>
+            </a:r>
           </a:p>
         </p:txBody>
       </p:sp>
     </p:spTree>
+    <p:extLst>
+      <p:ext uri="{BB962C8B-B14F-4D97-AF65-F5344CB8AC3E}">
+        <p14:creationId xmlns:p14="http://schemas.microsoft.com/office/powerpoint/2010/main" val="4081170239"/>
+      </p:ext>
+    </p:extLst>
   </p:cSld>
   <p:clrMapOvr>
     <a:masterClrMapping/>
@@ -3248,7 +3458,11 @@
           <a:bodyPr/>
           <a:lstStyle/>
           <a:p>
-            <a:endParaRPr lang="en-US"/>
+            <a:r>
+              <a:rPr lang="en-US" dirty="0" smtClean="0"/>
+              <a:t>Heraclitus: Becoming</a:t>
+            </a:r>
+            <a:endParaRPr lang="en-US" dirty="0"/>
           </a:p>
         </p:txBody>
       </p:sp>
@@ -3267,11 +3481,55 @@
           <a:bodyPr/>
           <a:lstStyle/>
           <a:p>
-            <a:endParaRPr lang="en-US"/>
+            <a:r>
+              <a:rPr lang="en-US" dirty="0" smtClean="0"/>
+              <a:t>“One </a:t>
+            </a:r>
+            <a:r>
+              <a:rPr lang="en-US" dirty="0"/>
+              <a:t>can not step into the same river </a:t>
+            </a:r>
+            <a:r>
+              <a:rPr lang="en-US" dirty="0" smtClean="0"/>
+              <a:t>twice”</a:t>
+            </a:r>
+          </a:p>
+          <a:p>
+            <a:r>
+              <a:rPr lang="en-US" dirty="0" smtClean="0"/>
+              <a:t>“Everything flows“</a:t>
+            </a:r>
+          </a:p>
+          <a:p>
+            <a:r>
+              <a:rPr lang="en-US" dirty="0"/>
+              <a:t>"War is </a:t>
+            </a:r>
+            <a:r>
+              <a:rPr lang="en-US" dirty="0" smtClean="0"/>
+              <a:t>father/king/lord (  </a:t>
+            </a:r>
+            <a:r>
+              <a:rPr lang="en-US" dirty="0"/>
+              <a:t>πα</a:t>
+            </a:r>
+            <a:r>
+              <a:rPr lang="en-US" dirty="0" err="1"/>
+              <a:t>τήρ</a:t>
+            </a:r>
+            <a:r>
+              <a:rPr lang="en-US" dirty="0"/>
+              <a:t> ) of all; and some he has shown as gods, others men; some he has made slaves, others free"</a:t>
+            </a:r>
           </a:p>
         </p:txBody>
       </p:sp>
     </p:spTree>
+    <p:extLst>
+      <p:ext uri="{BB962C8B-B14F-4D97-AF65-F5344CB8AC3E}">
+        <p14:creationId xmlns:p14="http://schemas.microsoft.com/office/powerpoint/2010/main" val="992224891"/>
+      </p:ext>
+    </p:extLst>
   </p:cSld>
   <p:clrMapOvr>
     <a:masterClrMapping/>
@@ -3311,7 +3569,15 @@
           <a:bodyPr/>
           <a:lstStyle/>
           <a:p>
-            <a:endParaRPr lang="en-US"/>
+            <a:r>
+              <a:rPr lang="en-US" dirty="0" err="1" smtClean="0"/>
+              <a:t>Heraclitean</a:t>
+            </a:r>
+            <a:r>
+              <a:rPr lang="en-US" dirty="0" smtClean="0"/>
+              <a:t> Tradition</a:t>
+            </a:r>
+            <a:endParaRPr lang="en-US" dirty="0"/>
           </a:p>
         </p:txBody>
       </p:sp>
@@ -3330,11 +3596,62 @@
           <a:bodyPr/>
           <a:lstStyle/>
           <a:p>
-            <a:endParaRPr lang="en-US"/>
+            <a:r>
+              <a:rPr lang="en-US" dirty="0" smtClean="0"/>
+              <a:t>Mechanism</a:t>
+            </a:r>
+          </a:p>
+          <a:p>
+            <a:r>
+              <a:rPr lang="en-US" dirty="0" smtClean="0"/>
+              <a:t>Spinoza</a:t>
+            </a:r>
+          </a:p>
+          <a:p>
+            <a:r>
+              <a:rPr lang="en-US" dirty="0" smtClean="0"/>
+              <a:t>Hegel/Marx</a:t>
+            </a:r>
+          </a:p>
+          <a:p>
+            <a:r>
+              <a:rPr lang="en-US" dirty="0" smtClean="0"/>
+              <a:t>Nietzsche </a:t>
+            </a:r>
+          </a:p>
+          <a:p>
+            <a:r>
+              <a:rPr lang="en-US" dirty="0" err="1" smtClean="0"/>
+              <a:t>Deleuze</a:t>
+            </a:r>
+            <a:r>
+              <a:rPr lang="en-US" dirty="0" smtClean="0"/>
+              <a:t> / Foucault / Heidegger</a:t>
+            </a:r>
+          </a:p>
+          <a:p>
+            <a:r>
+              <a:rPr lang="en-US" dirty="0" smtClean="0"/>
+              <a:t>(</a:t>
+            </a:r>
+            <a:r>
+              <a:rPr lang="en-US" dirty="0" err="1" smtClean="0"/>
+              <a:t>Graeber</a:t>
+            </a:r>
+            <a:r>
+              <a:rPr lang="en-US" dirty="0" smtClean="0"/>
+              <a:t>)</a:t>
+            </a:r>
+            <a:endParaRPr lang="en-US" dirty="0"/>
           </a:p>
         </p:txBody>
       </p:sp>
     </p:spTree>
+    <p:extLst>
+      <p:ext uri="{BB962C8B-B14F-4D97-AF65-F5344CB8AC3E}">
+        <p14:creationId xmlns:p14="http://schemas.microsoft.com/office/powerpoint/2010/main" val="2365008426"/>
+      </p:ext>
+    </p:extLst>
   </p:cSld>
   <p:clrMapOvr>
     <a:masterClrMapping/>
@@ -3376,7 +3693,7 @@
           <a:p>
             <a:r>
               <a:rPr lang="en-US" dirty="0" smtClean="0"/>
-              <a:t>The Evolution of Mutual Aid</a:t>
+              <a:t>Barracks tradition</a:t>
             </a:r>
             <a:endParaRPr lang="en-US" dirty="0"/>
           </a:p>
@@ -3394,42 +3711,434 @@
         </p:nvSpPr>
         <p:spPr/>
         <p:txBody>
-          <a:bodyPr/>
-          <a:lstStyle/>
-          <a:p>
-            <a:r>
-              <a:rPr lang="en-US" dirty="0" smtClean="0"/>
-              <a:t>Kropotkin's claim that mutual aid and mutual </a:t>
+          <a:bodyPr>
+            <a:normAutofit fontScale="85000" lnSpcReduction="20000"/>
+          </a:bodyPr>
+          <a:lstStyle/>
+          <a:p>
+            <a:r>
+              <a:rPr lang="en-US" dirty="0" smtClean="0"/>
+              <a:t>Fundamental concepts to Greek/Western thought are taken from emergence of the city state from the battlefield</a:t>
+            </a:r>
+          </a:p>
+          <a:p>
+            <a:r>
+              <a:rPr lang="en-US" dirty="0" smtClean="0"/>
+              <a:t>Citizen-soldier</a:t>
+            </a:r>
+          </a:p>
+          <a:p>
+            <a:r>
+              <a:rPr lang="en-US" dirty="0" smtClean="0"/>
+              <a:t>Also:  Aristotle</a:t>
+            </a:r>
+          </a:p>
+          <a:p>
+            <a:pPr lvl="1"/>
+            <a:r>
+              <a:rPr lang="en-US" dirty="0" smtClean="0"/>
+              <a:t>The Politics states there are many forms of community, one of which is the political community</a:t>
+            </a:r>
+          </a:p>
+          <a:p>
+            <a:pPr lvl="1"/>
+            <a:r>
+              <a:rPr lang="en-US" dirty="0" smtClean="0"/>
+              <a:t>Also:  the household (</a:t>
             </a:r>
             <a:r>
               <a:rPr lang="en-US" dirty="0" err="1" smtClean="0"/>
-              <a:t>st</a:t>
-            </a:r>
-            <a:r>
-              <a:rPr lang="en-US" dirty="0" smtClean="0"/>
-              <a:t> are "feature[s] of the greatest importance for the maintenance of life, the preservation of each species, and its further evolution" with anthropologist Sarah </a:t>
+              <a:t>oikos</a:t>
+            </a:r>
+            <a:r>
+              <a:rPr lang="en-US" dirty="0" smtClean="0"/>
+              <a:t>)</a:t>
+            </a:r>
+          </a:p>
+          <a:p>
+            <a:pPr lvl="2"/>
+            <a:r>
+              <a:rPr lang="en-US" dirty="0" smtClean="0"/>
+              <a:t>Assumes that he </a:t>
             </a:r>
             <a:r>
               <a:rPr lang="en-US" dirty="0" err="1" smtClean="0"/>
-              <a:t>Blaffer</a:t>
-            </a:r>
-            <a:r>
-              <a:rPr lang="en-US" dirty="0" smtClean="0"/>
-              <a:t> </a:t>
+              <a:t>oikos</a:t>
+            </a:r>
+            <a:r>
+              <a:rPr lang="en-US" dirty="0" smtClean="0"/>
+              <a:t> requires a master to set the rules of the household:  economy (</a:t>
             </a:r>
             <a:r>
               <a:rPr lang="en-US" dirty="0" err="1" smtClean="0"/>
-              <a:t>Hrdy's</a:t>
-            </a:r>
-            <a:r>
-              <a:rPr lang="en-US" dirty="0" smtClean="0"/>
-              <a:t> discussion of grandmothers as others in her book "Mothers and Others: The Evolutionary Origins of Mutual Understanding." </a:t>
-            </a:r>
+              <a:t>oikos</a:t>
+            </a:r>
+            <a:r>
+              <a:rPr lang="en-US" dirty="0" smtClean="0"/>
+              <a:t> + nomos) </a:t>
+            </a:r>
+          </a:p>
+          <a:p>
+            <a:pPr lvl="2"/>
+            <a:r>
+              <a:rPr lang="en-US" dirty="0"/>
+              <a:t> </a:t>
+            </a:r>
+            <a:r>
+              <a:rPr lang="en-US" dirty="0" smtClean="0"/>
+              <a:t>Also: The </a:t>
+            </a:r>
+            <a:r>
+              <a:rPr lang="en-US" dirty="0"/>
+              <a:t>partnership </a:t>
+            </a:r>
+            <a:r>
+              <a:rPr lang="en-US" dirty="0" smtClean="0"/>
+              <a:t>for every day needs, for people who eat together </a:t>
+            </a:r>
+          </a:p>
+          <a:p>
+            <a:pPr lvl="2"/>
+            <a:r>
+              <a:rPr lang="en-US" dirty="0" smtClean="0"/>
+              <a:t>“Companions”</a:t>
+            </a:r>
+          </a:p>
+          <a:p>
+            <a:pPr lvl="2"/>
             <a:endParaRPr lang="en-US" dirty="0"/>
           </a:p>
         </p:txBody>
       </p:sp>
     </p:spTree>
+    <p:extLst>
+      <p:ext uri="{BB962C8B-B14F-4D97-AF65-F5344CB8AC3E}">
+        <p14:creationId xmlns:p14="http://schemas.microsoft.com/office/powerpoint/2010/main" val="4268851732"/>
+      </p:ext>
+    </p:extLst>
+  </p:cSld>
+  <p:clrMapOvr>
+    <a:masterClrMapping/>
+  </p:clrMapOvr>
+</p:sld>
+</file>
+
+<file path=ppt/slides/slide7.xml><?xml version="1.0" encoding="utf-8"?>
+<p:sld xmlns:a="http://schemas.openxmlformats.org/drawingml/2006/main" xmlns:r="http://schemas.openxmlformats.org/officeDocument/2006/relationships" xmlns:p="http://schemas.openxmlformats.org/presentationml/2006/main">
+  <p:cSld>
+    <p:spTree>
+      <p:nvGrpSpPr>
+        <p:cNvPr id="1" name=""/>
+        <p:cNvGrpSpPr/>
+        <p:nvPr/>
+      </p:nvGrpSpPr>
+      <p:grpSpPr>
+        <a:xfrm>
+          <a:off x="0" y="0"/>
+          <a:ext cx="0" cy="0"/>
+          <a:chOff x="0" y="0"/>
+          <a:chExt cx="0" cy="0"/>
+        </a:xfrm>
+      </p:grpSpPr>
+      <p:sp>
+        <p:nvSpPr>
+          <p:cNvPr id="2" name="Title 1"/>
+          <p:cNvSpPr>
+            <a:spLocks noGrp="1"/>
+          </p:cNvSpPr>
+          <p:nvPr>
+            <p:ph type="title"/>
+          </p:nvPr>
+        </p:nvSpPr>
+        <p:spPr/>
+        <p:txBody>
+          <a:bodyPr/>
+          <a:lstStyle/>
+          <a:p>
+            <a:r>
+              <a:rPr lang="en-US" dirty="0" smtClean="0"/>
+              <a:t>Becoming as Regeneration</a:t>
+            </a:r>
+            <a:endParaRPr lang="en-US" dirty="0"/>
+          </a:p>
+        </p:txBody>
+      </p:sp>
+      <p:sp>
+        <p:nvSpPr>
+          <p:cNvPr id="3" name="Content Placeholder 2"/>
+          <p:cNvSpPr>
+            <a:spLocks noGrp="1"/>
+          </p:cNvSpPr>
+          <p:nvPr>
+            <p:ph idx="1"/>
+          </p:nvPr>
+        </p:nvSpPr>
+        <p:spPr/>
+        <p:txBody>
+          <a:bodyPr>
+            <a:normAutofit lnSpcReduction="10000"/>
+          </a:bodyPr>
+          <a:lstStyle/>
+          <a:p>
+            <a:r>
+              <a:rPr lang="en-US" dirty="0" smtClean="0"/>
+              <a:t>Anti-anti-humanism </a:t>
+            </a:r>
+          </a:p>
+          <a:p>
+            <a:r>
+              <a:rPr lang="en-US" dirty="0" smtClean="0"/>
+              <a:t>Human becoming occurs as and through relationships with other people</a:t>
+            </a:r>
+          </a:p>
+          <a:p>
+            <a:r>
+              <a:rPr lang="en-US" dirty="0" smtClean="0"/>
+              <a:t>Neither anonymous nor based in conflict</a:t>
+            </a:r>
+          </a:p>
+          <a:p>
+            <a:r>
+              <a:rPr lang="en-US" dirty="0" smtClean="0"/>
+              <a:t>Two facets:</a:t>
+            </a:r>
+          </a:p>
+          <a:p>
+            <a:pPr lvl="1"/>
+            <a:r>
+              <a:rPr lang="en-US" dirty="0" smtClean="0"/>
+              <a:t>Metabolic / Material</a:t>
+            </a:r>
+          </a:p>
+          <a:p>
+            <a:pPr lvl="1"/>
+            <a:r>
+              <a:rPr lang="en-US" dirty="0" smtClean="0"/>
+              <a:t>Generational / Temporal </a:t>
+            </a:r>
+          </a:p>
+          <a:p>
+            <a:r>
+              <a:rPr lang="en-US" dirty="0" smtClean="0"/>
+              <a:t>Anarchic / Maternal debt</a:t>
+            </a:r>
+          </a:p>
+          <a:p>
+            <a:pPr lvl="1"/>
+            <a:r>
+              <a:rPr lang="en-US" dirty="0" smtClean="0"/>
+              <a:t>Temporal and Material</a:t>
+            </a:r>
+          </a:p>
+          <a:p>
+            <a:endParaRPr lang="en-US" dirty="0" smtClean="0"/>
+          </a:p>
+          <a:p>
+            <a:pPr lvl="1"/>
+            <a:endParaRPr lang="en-US" dirty="0"/>
+          </a:p>
+        </p:txBody>
+      </p:sp>
+    </p:spTree>
+    <p:extLst>
+      <p:ext uri="{BB962C8B-B14F-4D97-AF65-F5344CB8AC3E}">
+        <p14:creationId xmlns:p14="http://schemas.microsoft.com/office/powerpoint/2010/main" val="4200699021"/>
+      </p:ext>
+    </p:extLst>
+  </p:cSld>
+  <p:clrMapOvr>
+    <a:masterClrMapping/>
+  </p:clrMapOvr>
+</p:sld>
+</file>
+
+<file path=ppt/slides/slide8.xml><?xml version="1.0" encoding="utf-8"?>
+<p:sld xmlns:a="http://schemas.openxmlformats.org/drawingml/2006/main" xmlns:r="http://schemas.openxmlformats.org/officeDocument/2006/relationships" xmlns:p="http://schemas.openxmlformats.org/presentationml/2006/main">
+  <p:cSld>
+    <p:spTree>
+      <p:nvGrpSpPr>
+        <p:cNvPr id="1" name=""/>
+        <p:cNvGrpSpPr/>
+        <p:nvPr/>
+      </p:nvGrpSpPr>
+      <p:grpSpPr>
+        <a:xfrm>
+          <a:off x="0" y="0"/>
+          <a:ext cx="0" cy="0"/>
+          <a:chOff x="0" y="0"/>
+          <a:chExt cx="0" cy="0"/>
+        </a:xfrm>
+      </p:grpSpPr>
+      <p:sp>
+        <p:nvSpPr>
+          <p:cNvPr id="2" name="Title 1"/>
+          <p:cNvSpPr>
+            <a:spLocks noGrp="1"/>
+          </p:cNvSpPr>
+          <p:nvPr>
+            <p:ph type="title"/>
+          </p:nvPr>
+        </p:nvSpPr>
+        <p:spPr/>
+        <p:txBody>
+          <a:bodyPr/>
+          <a:lstStyle/>
+          <a:p>
+            <a:r>
+              <a:rPr lang="en-US" dirty="0" smtClean="0"/>
+              <a:t>“Maternal Practice” (Ruddick)</a:t>
+            </a:r>
+            <a:endParaRPr lang="en-US" dirty="0"/>
+          </a:p>
+        </p:txBody>
+      </p:sp>
+      <p:sp>
+        <p:nvSpPr>
+          <p:cNvPr id="3" name="Content Placeholder 2"/>
+          <p:cNvSpPr>
+            <a:spLocks noGrp="1"/>
+          </p:cNvSpPr>
+          <p:nvPr>
+            <p:ph idx="1"/>
+          </p:nvPr>
+        </p:nvSpPr>
+        <p:spPr/>
+        <p:txBody>
+          <a:bodyPr/>
+          <a:lstStyle/>
+          <a:p>
+            <a:r>
+              <a:rPr lang="en-US" dirty="0" smtClean="0"/>
+              <a:t>Not an instinct or gendered but a set of practices</a:t>
+            </a:r>
+          </a:p>
+          <a:p>
+            <a:pPr lvl="1"/>
+            <a:r>
+              <a:rPr lang="en-US" dirty="0" smtClean="0"/>
+              <a:t>preserves </a:t>
+            </a:r>
+            <a:r>
+              <a:rPr lang="en-US" dirty="0"/>
+              <a:t>the life of the child, </a:t>
+            </a:r>
+            <a:endParaRPr lang="en-US" dirty="0" smtClean="0"/>
+          </a:p>
+          <a:p>
+            <a:pPr lvl="1"/>
+            <a:r>
+              <a:rPr lang="en-US" dirty="0" smtClean="0"/>
+              <a:t>nourishes </a:t>
+            </a:r>
+            <a:r>
+              <a:rPr lang="en-US" dirty="0"/>
+              <a:t>their growth and prepares them for acceptance in the wider society.</a:t>
+            </a:r>
+          </a:p>
+        </p:txBody>
+      </p:sp>
+    </p:spTree>
+    <p:extLst>
+      <p:ext uri="{BB962C8B-B14F-4D97-AF65-F5344CB8AC3E}">
+        <p14:creationId xmlns:p14="http://schemas.microsoft.com/office/powerpoint/2010/main" val="722840604"/>
+      </p:ext>
+    </p:extLst>
+  </p:cSld>
+  <p:clrMapOvr>
+    <a:masterClrMapping/>
+  </p:clrMapOvr>
+</p:sld>
+</file>
+
+<file path=ppt/slides/slide9.xml><?xml version="1.0" encoding="utf-8"?>
+<p:sld xmlns:a="http://schemas.openxmlformats.org/drawingml/2006/main" xmlns:r="http://schemas.openxmlformats.org/officeDocument/2006/relationships" xmlns:p="http://schemas.openxmlformats.org/presentationml/2006/main">
+  <p:cSld>
+    <p:spTree>
+      <p:nvGrpSpPr>
+        <p:cNvPr id="1" name=""/>
+        <p:cNvGrpSpPr/>
+        <p:nvPr/>
+      </p:nvGrpSpPr>
+      <p:grpSpPr>
+        <a:xfrm>
+          <a:off x="0" y="0"/>
+          <a:ext cx="0" cy="0"/>
+          <a:chOff x="0" y="0"/>
+          <a:chExt cx="0" cy="0"/>
+        </a:xfrm>
+      </p:grpSpPr>
+      <p:sp>
+        <p:nvSpPr>
+          <p:cNvPr id="2" name="Title 1"/>
+          <p:cNvSpPr>
+            <a:spLocks noGrp="1"/>
+          </p:cNvSpPr>
+          <p:nvPr>
+            <p:ph type="title"/>
+          </p:nvPr>
+        </p:nvSpPr>
+        <p:spPr/>
+        <p:txBody>
+          <a:bodyPr/>
+          <a:lstStyle/>
+          <a:p>
+            <a:r>
+              <a:rPr lang="en-US" dirty="0" err="1" smtClean="0"/>
+              <a:t>Hrdy</a:t>
+            </a:r>
+            <a:endParaRPr lang="en-US" dirty="0"/>
+          </a:p>
+        </p:txBody>
+      </p:sp>
+      <p:sp>
+        <p:nvSpPr>
+          <p:cNvPr id="3" name="Content Placeholder 2"/>
+          <p:cNvSpPr>
+            <a:spLocks noGrp="1"/>
+          </p:cNvSpPr>
+          <p:nvPr>
+            <p:ph idx="1"/>
+          </p:nvPr>
+        </p:nvSpPr>
+        <p:spPr/>
+        <p:txBody>
+          <a:bodyPr/>
+          <a:lstStyle/>
+          <a:p>
+            <a:r>
+              <a:rPr lang="en-US" dirty="0" smtClean="0"/>
+              <a:t>Maternal effects</a:t>
+            </a:r>
+          </a:p>
+          <a:p>
+            <a:r>
+              <a:rPr lang="en-US" dirty="0" err="1" smtClean="0"/>
+              <a:t>Allomothers</a:t>
+            </a:r>
+            <a:endParaRPr lang="en-US" dirty="0" smtClean="0"/>
+          </a:p>
+          <a:p>
+            <a:r>
+              <a:rPr lang="en-US" dirty="0" smtClean="0"/>
+              <a:t> Grandmother as </a:t>
+            </a:r>
+            <a:r>
+              <a:rPr lang="en-US" dirty="0" err="1" smtClean="0"/>
+              <a:t>allomother</a:t>
+            </a:r>
+            <a:endParaRPr lang="en-US" dirty="0" smtClean="0"/>
+          </a:p>
+          <a:p>
+            <a:endParaRPr lang="en-US" dirty="0"/>
+          </a:p>
+        </p:txBody>
+      </p:sp>
+    </p:spTree>
+    <p:extLst>
+      <p:ext uri="{BB962C8B-B14F-4D97-AF65-F5344CB8AC3E}">
+        <p14:creationId xmlns:p14="http://schemas.microsoft.com/office/powerpoint/2010/main" val="101497159"/>
+      </p:ext>
+    </p:extLst>
   </p:cSld>
   <p:clrMapOvr>
     <a:masterClrMapping/>
